--- a/day6/DataCleaningAndCollection.pptx
+++ b/day6/DataCleaningAndCollection.pptx
@@ -9,6 +9,18 @@
     <p:sldId id="256" r:id="rId4"/>
     <p:sldId id="257" r:id="rId5"/>
     <p:sldId id="258" r:id="rId6"/>
+    <p:sldId id="259" r:id="rId7"/>
+    <p:sldId id="260" r:id="rId8"/>
+    <p:sldId id="261" r:id="rId9"/>
+    <p:sldId id="262" r:id="rId10"/>
+    <p:sldId id="263" r:id="rId11"/>
+    <p:sldId id="264" r:id="rId12"/>
+    <p:sldId id="265" r:id="rId13"/>
+    <p:sldId id="266" r:id="rId14"/>
+    <p:sldId id="267" r:id="rId15"/>
+    <p:sldId id="268" r:id="rId16"/>
+    <p:sldId id="269" r:id="rId17"/>
+    <p:sldId id="270" r:id="rId18"/>
   </p:sldIdLst>
   <p:sldSz cx="9144000" cy="6858000"/>
   <p:notesSz cx="7772400" cy="10058400"/>
@@ -2780,7 +2792,19 @@
               <a:rPr b="0" lang="en-US" sz="4400" spc="-1" strike="noStrike">
                 <a:latin typeface="Arial"/>
               </a:rPr>
-              <a:t>Click to edit the title text format</a:t>
+              <a:t>Click to edit </a:t>
+            </a:r>
+            <a:r>
+              <a:rPr b="0" lang="en-US" sz="4400" spc="-1" strike="noStrike">
+                <a:latin typeface="Arial"/>
+              </a:rPr>
+              <a:t>the title text </a:t>
+            </a:r>
+            <a:r>
+              <a:rPr b="0" lang="en-US" sz="4400" spc="-1" strike="noStrike">
+                <a:latin typeface="Arial"/>
+              </a:rPr>
+              <a:t>format</a:t>
             </a:r>
             <a:endParaRPr b="0" lang="en-US" sz="4400" spc="-1" strike="noStrike">
               <a:latin typeface="Arial"/>
@@ -3040,7 +3064,13 @@
               <a:rPr b="0" lang="en-US" sz="4400" spc="-1" strike="noStrike">
                 <a:latin typeface="Arial"/>
               </a:rPr>
-              <a:t>Click to edit the title text format</a:t>
+              <a:t>Click to edit the title text </a:t>
+            </a:r>
+            <a:r>
+              <a:rPr b="0" lang="en-US" sz="4400" spc="-1" strike="noStrike">
+                <a:latin typeface="Arial"/>
+              </a:rPr>
+              <a:t>format</a:t>
             </a:r>
             <a:endParaRPr b="0" lang="en-US" sz="4400" spc="-1" strike="noStrike">
               <a:latin typeface="Arial"/>
@@ -3273,7 +3303,7 @@
         <p:spPr>
           <a:xfrm>
             <a:off x="611640" y="2441520"/>
-            <a:ext cx="7770960" cy="1468440"/>
+            <a:ext cx="7770240" cy="1467720"/>
           </a:xfrm>
           <a:prstGeom prst="rect">
             <a:avLst/>
@@ -3307,7 +3337,7 @@
                 <a:latin typeface="Claire Hand"/>
                 <a:ea typeface="DejaVu Sans"/>
               </a:rPr>
-              <a:t>Pyspark Reading DataSet</a:t>
+              <a:t>Pyspark Data Cleaning</a:t>
             </a:r>
             <a:endParaRPr b="0" lang="en-US" sz="4000" spc="-1" strike="noStrike">
               <a:latin typeface="Arial"/>
@@ -3324,7 +3354,7 @@
         <p:spPr>
           <a:xfrm>
             <a:off x="155520" y="-144360"/>
-            <a:ext cx="303480" cy="303480"/>
+            <a:ext cx="302760" cy="302760"/>
           </a:xfrm>
           <a:prstGeom prst="rect">
             <a:avLst/>
@@ -3353,8 +3383,8 @@
         </p:blipFill>
         <p:spPr>
           <a:xfrm>
-            <a:off x="155520" y="160200"/>
-            <a:ext cx="4775040" cy="1851840"/>
+            <a:off x="254520" y="158760"/>
+            <a:ext cx="4774320" cy="1851120"/>
           </a:xfrm>
           <a:prstGeom prst="rect">
             <a:avLst/>
@@ -3373,7 +3403,369 @@
         <p:spPr>
           <a:xfrm>
             <a:off x="2468880" y="3910320"/>
-            <a:ext cx="2468520" cy="345960"/>
+            <a:ext cx="2467800" cy="345240"/>
+          </a:xfrm>
+          <a:prstGeom prst="rect">
+            <a:avLst/>
+          </a:prstGeom>
+          <a:noFill/>
+          <a:ln>
+            <a:noFill/>
+          </a:ln>
+        </p:spPr>
+        <p:style>
+          <a:lnRef idx="0"/>
+          <a:fillRef idx="0"/>
+          <a:effectRef idx="0"/>
+          <a:fontRef idx="minor"/>
+        </p:style>
+        <p:txBody>
+          <a:bodyPr lIns="90000" rIns="90000" tIns="45000" bIns="45000">
+            <a:noAutofit/>
+          </a:bodyPr>
+          <a:p>
+            <a:pPr>
+              <a:lnSpc>
+                <a:spcPct val="100000"/>
+              </a:lnSpc>
+            </a:pPr>
+            <a:r>
+              <a:rPr b="0" lang="en-US" sz="1800" spc="-1" strike="noStrike">
+                <a:solidFill>
+                  <a:srgbClr val="000000"/>
+                </a:solidFill>
+                <a:latin typeface="Arial"/>
+                <a:ea typeface="DejaVu Sans"/>
+              </a:rPr>
+              <a:t>Rama Shanker</a:t>
+            </a:r>
+            <a:endParaRPr b="0" lang="en-US" sz="1800" spc="-1" strike="noStrike">
+              <a:latin typeface="Arial"/>
+            </a:endParaRPr>
+          </a:p>
+        </p:txBody>
+      </p:sp>
+    </p:spTree>
+  </p:cSld>
+  <mc:AlternateContent>
+    <mc:Choice Requires="p14">
+      <p:transition spd="slow" p14:dur="2000"/>
+    </mc:Choice>
+    <mc:Fallback>
+      <p:transition spd="slow"/>
+    </mc:Fallback>
+  </mc:AlternateContent>
+</p:sld>
+</file>
+
+<file path=ppt/slides/slide10.xml><?xml version="1.0" encoding="utf-8"?>
+<p:sld xmlns:a="http://schemas.openxmlformats.org/drawingml/2006/main" xmlns:p="http://schemas.openxmlformats.org/presentationml/2006/main" xmlns:r="http://schemas.openxmlformats.org/officeDocument/2006/relationships" xmlns:p14="http://schemas.microsoft.com/office/powerpoint/2010/main" xmlns:p15="http://schemas.microsoft.com/office/powerpoint/2012/main" xmlns:mc="http://schemas.openxmlformats.org/markup-compatibility/2006">
+  <p:cSld>
+    <p:spTree>
+      <p:nvGrpSpPr>
+        <p:cNvPr id="1" name=""/>
+        <p:cNvGrpSpPr/>
+        <p:nvPr/>
+      </p:nvGrpSpPr>
+      <p:grpSpPr>
+        <a:xfrm>
+          <a:off x="0" y="0"/>
+          <a:ext cx="0" cy="0"/>
+          <a:chOff x="0" y="0"/>
+          <a:chExt cx="0" cy="0"/>
+        </a:xfrm>
+      </p:grpSpPr>
+      <p:pic>
+        <p:nvPicPr>
+          <p:cNvPr id="88" name="" descr=""/>
+          <p:cNvPicPr/>
+          <p:nvPr/>
+        </p:nvPicPr>
+        <p:blipFill>
+          <a:blip r:embed="rId1"/>
+          <a:stretch/>
+        </p:blipFill>
+        <p:spPr>
+          <a:xfrm>
+            <a:off x="879120" y="395640"/>
+            <a:ext cx="6527160" cy="6004800"/>
+          </a:xfrm>
+          <a:prstGeom prst="rect">
+            <a:avLst/>
+          </a:prstGeom>
+          <a:ln>
+            <a:noFill/>
+          </a:ln>
+        </p:spPr>
+      </p:pic>
+    </p:spTree>
+  </p:cSld>
+  <mc:AlternateContent>
+    <mc:Choice Requires="p14">
+      <p:transition spd="slow" p14:dur="2000"/>
+    </mc:Choice>
+    <mc:Fallback>
+      <p:transition spd="slow"/>
+    </mc:Fallback>
+  </mc:AlternateContent>
+</p:sld>
+</file>
+
+<file path=ppt/slides/slide11.xml><?xml version="1.0" encoding="utf-8"?>
+<p:sld xmlns:a="http://schemas.openxmlformats.org/drawingml/2006/main" xmlns:p="http://schemas.openxmlformats.org/presentationml/2006/main" xmlns:r="http://schemas.openxmlformats.org/officeDocument/2006/relationships" xmlns:p14="http://schemas.microsoft.com/office/powerpoint/2010/main" xmlns:p15="http://schemas.microsoft.com/office/powerpoint/2012/main" xmlns:mc="http://schemas.openxmlformats.org/markup-compatibility/2006">
+  <p:cSld>
+    <p:spTree>
+      <p:nvGrpSpPr>
+        <p:cNvPr id="1" name=""/>
+        <p:cNvGrpSpPr/>
+        <p:nvPr/>
+      </p:nvGrpSpPr>
+      <p:grpSpPr>
+        <a:xfrm>
+          <a:off x="0" y="0"/>
+          <a:ext cx="0" cy="0"/>
+          <a:chOff x="0" y="0"/>
+          <a:chExt cx="0" cy="0"/>
+        </a:xfrm>
+      </p:grpSpPr>
+      <p:pic>
+        <p:nvPicPr>
+          <p:cNvPr id="89" name="" descr=""/>
+          <p:cNvPicPr/>
+          <p:nvPr/>
+        </p:nvPicPr>
+        <p:blipFill>
+          <a:blip r:embed="rId1"/>
+          <a:stretch/>
+        </p:blipFill>
+        <p:spPr>
+          <a:xfrm>
+            <a:off x="1371600" y="213480"/>
+            <a:ext cx="6035040" cy="6461640"/>
+          </a:xfrm>
+          <a:prstGeom prst="rect">
+            <a:avLst/>
+          </a:prstGeom>
+          <a:ln>
+            <a:noFill/>
+          </a:ln>
+        </p:spPr>
+      </p:pic>
+      <p:pic>
+        <p:nvPicPr>
+          <p:cNvPr id="90" name="" descr=""/>
+          <p:cNvPicPr/>
+          <p:nvPr/>
+        </p:nvPicPr>
+        <p:blipFill>
+          <a:blip r:embed="rId2"/>
+          <a:stretch/>
+        </p:blipFill>
+        <p:spPr>
+          <a:xfrm>
+            <a:off x="7804800" y="6873840"/>
+            <a:ext cx="6404760" cy="6857640"/>
+          </a:xfrm>
+          <a:prstGeom prst="rect">
+            <a:avLst/>
+          </a:prstGeom>
+          <a:ln>
+            <a:noFill/>
+          </a:ln>
+        </p:spPr>
+      </p:pic>
+    </p:spTree>
+  </p:cSld>
+  <mc:AlternateContent>
+    <mc:Choice Requires="p14">
+      <p:transition spd="slow" p14:dur="2000"/>
+    </mc:Choice>
+    <mc:Fallback>
+      <p:transition spd="slow"/>
+    </mc:Fallback>
+  </mc:AlternateContent>
+</p:sld>
+</file>
+
+<file path=ppt/slides/slide12.xml><?xml version="1.0" encoding="utf-8"?>
+<p:sld xmlns:a="http://schemas.openxmlformats.org/drawingml/2006/main" xmlns:p="http://schemas.openxmlformats.org/presentationml/2006/main" xmlns:r="http://schemas.openxmlformats.org/officeDocument/2006/relationships" xmlns:p14="http://schemas.microsoft.com/office/powerpoint/2010/main" xmlns:p15="http://schemas.microsoft.com/office/powerpoint/2012/main" xmlns:mc="http://schemas.openxmlformats.org/markup-compatibility/2006">
+  <p:cSld>
+    <p:spTree>
+      <p:nvGrpSpPr>
+        <p:cNvPr id="1" name=""/>
+        <p:cNvGrpSpPr/>
+        <p:nvPr/>
+      </p:nvGrpSpPr>
+      <p:grpSpPr>
+        <a:xfrm>
+          <a:off x="0" y="0"/>
+          <a:ext cx="0" cy="0"/>
+          <a:chOff x="0" y="0"/>
+          <a:chExt cx="0" cy="0"/>
+        </a:xfrm>
+      </p:grpSpPr>
+      <p:pic>
+        <p:nvPicPr>
+          <p:cNvPr id="91" name="" descr=""/>
+          <p:cNvPicPr/>
+          <p:nvPr/>
+        </p:nvPicPr>
+        <p:blipFill>
+          <a:blip r:embed="rId1"/>
+          <a:stretch/>
+        </p:blipFill>
+        <p:spPr>
+          <a:xfrm>
+            <a:off x="1818000" y="274320"/>
+            <a:ext cx="4765320" cy="6059160"/>
+          </a:xfrm>
+          <a:prstGeom prst="rect">
+            <a:avLst/>
+          </a:prstGeom>
+          <a:ln>
+            <a:noFill/>
+          </a:ln>
+        </p:spPr>
+      </p:pic>
+    </p:spTree>
+  </p:cSld>
+  <mc:AlternateContent>
+    <mc:Choice Requires="p14">
+      <p:transition spd="slow" p14:dur="2000"/>
+    </mc:Choice>
+    <mc:Fallback>
+      <p:transition spd="slow"/>
+    </mc:Fallback>
+  </mc:AlternateContent>
+</p:sld>
+</file>
+
+<file path=ppt/slides/slide13.xml><?xml version="1.0" encoding="utf-8"?>
+<p:sld xmlns:a="http://schemas.openxmlformats.org/drawingml/2006/main" xmlns:p="http://schemas.openxmlformats.org/presentationml/2006/main" xmlns:r="http://schemas.openxmlformats.org/officeDocument/2006/relationships" xmlns:p14="http://schemas.microsoft.com/office/powerpoint/2010/main" xmlns:p15="http://schemas.microsoft.com/office/powerpoint/2012/main" xmlns:mc="http://schemas.openxmlformats.org/markup-compatibility/2006">
+  <p:cSld>
+    <p:spTree>
+      <p:nvGrpSpPr>
+        <p:cNvPr id="1" name=""/>
+        <p:cNvGrpSpPr/>
+        <p:nvPr/>
+      </p:nvGrpSpPr>
+      <p:grpSpPr>
+        <a:xfrm>
+          <a:off x="0" y="0"/>
+          <a:ext cx="0" cy="0"/>
+          <a:chOff x="0" y="0"/>
+          <a:chExt cx="0" cy="0"/>
+        </a:xfrm>
+      </p:grpSpPr>
+      <p:pic>
+        <p:nvPicPr>
+          <p:cNvPr id="92" name="" descr=""/>
+          <p:cNvPicPr/>
+          <p:nvPr/>
+        </p:nvPicPr>
+        <p:blipFill>
+          <a:blip r:embed="rId1"/>
+          <a:stretch/>
+        </p:blipFill>
+        <p:spPr>
+          <a:xfrm>
+            <a:off x="182880" y="2007720"/>
+            <a:ext cx="3291480" cy="2226240"/>
+          </a:xfrm>
+          <a:prstGeom prst="rect">
+            <a:avLst/>
+          </a:prstGeom>
+          <a:ln>
+            <a:noFill/>
+          </a:ln>
+        </p:spPr>
+      </p:pic>
+      <p:pic>
+        <p:nvPicPr>
+          <p:cNvPr id="93" name="" descr=""/>
+          <p:cNvPicPr/>
+          <p:nvPr/>
+        </p:nvPicPr>
+        <p:blipFill>
+          <a:blip r:embed="rId2"/>
+          <a:stretch/>
+        </p:blipFill>
+        <p:spPr>
+          <a:xfrm>
+            <a:off x="125640" y="182880"/>
+            <a:ext cx="4171680" cy="1449360"/>
+          </a:xfrm>
+          <a:prstGeom prst="rect">
+            <a:avLst/>
+          </a:prstGeom>
+          <a:ln>
+            <a:noFill/>
+          </a:ln>
+        </p:spPr>
+      </p:pic>
+      <p:pic>
+        <p:nvPicPr>
+          <p:cNvPr id="94" name="" descr=""/>
+          <p:cNvPicPr/>
+          <p:nvPr/>
+        </p:nvPicPr>
+        <p:blipFill>
+          <a:blip r:embed="rId3"/>
+          <a:stretch/>
+        </p:blipFill>
+        <p:spPr>
+          <a:xfrm>
+            <a:off x="4556520" y="1920240"/>
+            <a:ext cx="3306960" cy="2285640"/>
+          </a:xfrm>
+          <a:prstGeom prst="rect">
+            <a:avLst/>
+          </a:prstGeom>
+          <a:ln>
+            <a:noFill/>
+          </a:ln>
+        </p:spPr>
+      </p:pic>
+    </p:spTree>
+  </p:cSld>
+  <mc:AlternateContent>
+    <mc:Choice Requires="p14">
+      <p:transition spd="slow" p14:dur="2000"/>
+    </mc:Choice>
+    <mc:Fallback>
+      <p:transition spd="slow"/>
+    </mc:Fallback>
+  </mc:AlternateContent>
+</p:sld>
+</file>
+
+<file path=ppt/slides/slide14.xml><?xml version="1.0" encoding="utf-8"?>
+<p:sld xmlns:a="http://schemas.openxmlformats.org/drawingml/2006/main" xmlns:p="http://schemas.openxmlformats.org/presentationml/2006/main" xmlns:r="http://schemas.openxmlformats.org/officeDocument/2006/relationships" xmlns:p14="http://schemas.microsoft.com/office/powerpoint/2010/main" xmlns:p15="http://schemas.microsoft.com/office/powerpoint/2012/main" xmlns:mc="http://schemas.openxmlformats.org/markup-compatibility/2006">
+  <p:cSld>
+    <p:spTree>
+      <p:nvGrpSpPr>
+        <p:cNvPr id="1" name=""/>
+        <p:cNvGrpSpPr/>
+        <p:nvPr/>
+      </p:nvGrpSpPr>
+      <p:grpSpPr>
+        <a:xfrm>
+          <a:off x="0" y="0"/>
+          <a:ext cx="0" cy="0"/>
+          <a:chOff x="0" y="0"/>
+          <a:chExt cx="0" cy="0"/>
+        </a:xfrm>
+      </p:grpSpPr>
+      <p:sp>
+        <p:nvSpPr>
+          <p:cNvPr id="95" name="CustomShape 1"/>
+          <p:cNvSpPr/>
+          <p:nvPr/>
+        </p:nvSpPr>
+        <p:spPr>
+          <a:xfrm>
+            <a:off x="2651760" y="2415240"/>
+            <a:ext cx="3565800" cy="601920"/>
           </a:xfrm>
           <a:prstGeom prst="rect">
             <a:avLst/>
@@ -3403,9 +3795,90 @@
               <a:rPr b="0" lang="en-US" sz="1800" spc="-1" strike="noStrike">
                 <a:latin typeface="Arial"/>
               </a:rPr>
-              <a:t>Rama Shanker</a:t>
+              <a:t>Many more technique depends on choosing algorithm:Sort note</a:t>
             </a:r>
             <a:endParaRPr b="0" lang="en-US" sz="1800" spc="-1" strike="noStrike">
+              <a:latin typeface="Arial"/>
+            </a:endParaRPr>
+          </a:p>
+        </p:txBody>
+      </p:sp>
+    </p:spTree>
+  </p:cSld>
+  <mc:AlternateContent>
+    <mc:Choice Requires="p14">
+      <p:transition spd="slow" p14:dur="2000"/>
+    </mc:Choice>
+    <mc:Fallback>
+      <p:transition spd="slow"/>
+    </mc:Fallback>
+  </mc:AlternateContent>
+</p:sld>
+</file>
+
+<file path=ppt/slides/slide15.xml><?xml version="1.0" encoding="utf-8"?>
+<p:sld xmlns:a="http://schemas.openxmlformats.org/drawingml/2006/main" xmlns:p="http://schemas.openxmlformats.org/presentationml/2006/main" xmlns:r="http://schemas.openxmlformats.org/officeDocument/2006/relationships" xmlns:p14="http://schemas.microsoft.com/office/powerpoint/2010/main" xmlns:p15="http://schemas.microsoft.com/office/powerpoint/2012/main" xmlns:mc="http://schemas.openxmlformats.org/markup-compatibility/2006">
+  <p:cSld>
+    <p:spTree>
+      <p:nvGrpSpPr>
+        <p:cNvPr id="1" name=""/>
+        <p:cNvGrpSpPr/>
+        <p:nvPr/>
+      </p:nvGrpSpPr>
+      <p:grpSpPr>
+        <a:xfrm>
+          <a:off x="0" y="0"/>
+          <a:ext cx="0" cy="0"/>
+          <a:chOff x="0" y="0"/>
+          <a:chExt cx="0" cy="0"/>
+        </a:xfrm>
+      </p:grpSpPr>
+      <p:sp>
+        <p:nvSpPr>
+          <p:cNvPr id="96" name="CustomShape 1"/>
+          <p:cNvSpPr/>
+          <p:nvPr/>
+        </p:nvSpPr>
+        <p:spPr>
+          <a:xfrm>
+            <a:off x="3320640" y="2637000"/>
+            <a:ext cx="3107160" cy="820800"/>
+          </a:xfrm>
+          <a:prstGeom prst="rect">
+            <a:avLst/>
+          </a:prstGeom>
+          <a:noFill/>
+          <a:ln>
+            <a:noFill/>
+          </a:ln>
+        </p:spPr>
+        <p:style>
+          <a:lnRef idx="0"/>
+          <a:fillRef idx="0"/>
+          <a:effectRef idx="0"/>
+          <a:fontRef idx="minor"/>
+        </p:style>
+        <p:txBody>
+          <a:bodyPr wrap="none" lIns="90000" rIns="90000" tIns="45000" bIns="45000">
+            <a:spAutoFit/>
+          </a:bodyPr>
+          <a:p>
+            <a:pPr>
+              <a:lnSpc>
+                <a:spcPct val="100000"/>
+              </a:lnSpc>
+            </a:pPr>
+            <a:r>
+              <a:rPr b="0" lang="en-US" sz="4800" spc="-1" strike="noStrike">
+                <a:solidFill>
+                  <a:srgbClr val="000000"/>
+                </a:solidFill>
+                <a:latin typeface="Claire Hand"/>
+                <a:ea typeface="DejaVu Sans"/>
+              </a:rPr>
+              <a:t>THANKS !</a:t>
+            </a:r>
+            <a:endParaRPr b="0" lang="en-US" sz="4800" spc="-1" strike="noStrike">
               <a:latin typeface="Arial"/>
             </a:endParaRPr>
           </a:p>
@@ -3443,7 +3916,7 @@
       </p:grpSpPr>
       <p:pic>
         <p:nvPicPr>
-          <p:cNvPr id="80" name="Image 3" descr=""/>
+          <p:cNvPr id="80" name="" descr=""/>
           <p:cNvPicPr/>
           <p:nvPr/>
         </p:nvPicPr>
@@ -3453,8 +3926,8 @@
         </p:blipFill>
         <p:spPr>
           <a:xfrm>
-            <a:off x="0" y="2207160"/>
-            <a:ext cx="5111280" cy="4649400"/>
+            <a:off x="1044360" y="91440"/>
+            <a:ext cx="5813280" cy="6420240"/>
           </a:xfrm>
           <a:prstGeom prst="rect">
             <a:avLst/>
@@ -3464,57 +3937,6 @@
           </a:ln>
         </p:spPr>
       </p:pic>
-      <p:sp>
-        <p:nvSpPr>
-          <p:cNvPr id="81" name="CustomShape 1"/>
-          <p:cNvSpPr/>
-          <p:nvPr/>
-        </p:nvSpPr>
-        <p:spPr>
-          <a:xfrm>
-            <a:off x="3478680" y="332640"/>
-            <a:ext cx="1987200" cy="638280"/>
-          </a:xfrm>
-          <a:prstGeom prst="rect">
-            <a:avLst/>
-          </a:prstGeom>
-          <a:noFill/>
-          <a:ln>
-            <a:noFill/>
-          </a:ln>
-        </p:spPr>
-        <p:style>
-          <a:lnRef idx="0"/>
-          <a:fillRef idx="0"/>
-          <a:effectRef idx="0"/>
-          <a:fontRef idx="minor"/>
-        </p:style>
-        <p:txBody>
-          <a:bodyPr wrap="none" lIns="90000" rIns="90000" tIns="45000" bIns="45000">
-            <a:spAutoFit/>
-          </a:bodyPr>
-          <a:p>
-            <a:pPr>
-              <a:lnSpc>
-                <a:spcPct val="100000"/>
-              </a:lnSpc>
-            </a:pPr>
-            <a:r>
-              <a:rPr b="0" lang="en-US" sz="3600" spc="-1" strike="noStrike">
-                <a:solidFill>
-                  <a:srgbClr val="000000"/>
-                </a:solidFill>
-                <a:latin typeface="Claire Hand"/>
-                <a:ea typeface="DejaVu Sans"/>
-              </a:rPr>
-              <a:t>Pyspark</a:t>
-            </a:r>
-            <a:endParaRPr b="0" lang="en-US" sz="3600" spc="-1" strike="noStrike">
-              <a:latin typeface="Arial"/>
-            </a:endParaRPr>
-          </a:p>
-        </p:txBody>
-      </p:sp>
     </p:spTree>
   </p:cSld>
   <mc:AlternateContent>
@@ -3545,57 +3967,347 @@
           <a:chExt cx="0" cy="0"/>
         </a:xfrm>
       </p:grpSpPr>
-      <p:sp>
-        <p:nvSpPr>
-          <p:cNvPr id="82" name="CustomShape 1"/>
-          <p:cNvSpPr/>
+      <p:pic>
+        <p:nvPicPr>
+          <p:cNvPr id="81" name="" descr=""/>
+          <p:cNvPicPr/>
           <p:nvPr/>
-        </p:nvSpPr>
-        <p:spPr>
-          <a:xfrm>
-            <a:off x="3320640" y="2637000"/>
-            <a:ext cx="3107160" cy="820800"/>
-          </a:xfrm>
-          <a:prstGeom prst="rect">
-            <a:avLst/>
-          </a:prstGeom>
-          <a:noFill/>
+        </p:nvPicPr>
+        <p:blipFill>
+          <a:blip r:embed="rId1"/>
+          <a:stretch/>
+        </p:blipFill>
+        <p:spPr>
+          <a:xfrm>
+            <a:off x="999360" y="182880"/>
+            <a:ext cx="6864120" cy="6564600"/>
+          </a:xfrm>
+          <a:prstGeom prst="rect">
+            <a:avLst/>
+          </a:prstGeom>
           <a:ln>
             <a:noFill/>
           </a:ln>
         </p:spPr>
-        <p:style>
-          <a:lnRef idx="0"/>
-          <a:fillRef idx="0"/>
-          <a:effectRef idx="0"/>
-          <a:fontRef idx="minor"/>
-        </p:style>
-        <p:txBody>
-          <a:bodyPr wrap="none" lIns="90000" rIns="90000" tIns="45000" bIns="45000">
-            <a:spAutoFit/>
-          </a:bodyPr>
-          <a:p>
-            <a:pPr>
-              <a:lnSpc>
-                <a:spcPct val="100000"/>
-              </a:lnSpc>
-            </a:pPr>
-            <a:r>
-              <a:rPr b="0" lang="en-US" sz="4800" spc="-1" strike="noStrike">
-                <a:solidFill>
-                  <a:srgbClr val="000000"/>
-                </a:solidFill>
-                <a:latin typeface="Claire Hand"/>
-                <a:ea typeface="DejaVu Sans"/>
-              </a:rPr>
-              <a:t>THANKS !</a:t>
-            </a:r>
-            <a:endParaRPr b="0" lang="en-US" sz="4800" spc="-1" strike="noStrike">
-              <a:latin typeface="Arial"/>
-            </a:endParaRPr>
-          </a:p>
-        </p:txBody>
-      </p:sp>
+      </p:pic>
+    </p:spTree>
+  </p:cSld>
+  <mc:AlternateContent>
+    <mc:Choice Requires="p14">
+      <p:transition spd="slow" p14:dur="2000"/>
+    </mc:Choice>
+    <mc:Fallback>
+      <p:transition spd="slow"/>
+    </mc:Fallback>
+  </mc:AlternateContent>
+</p:sld>
+</file>
+
+<file path=ppt/slides/slide4.xml><?xml version="1.0" encoding="utf-8"?>
+<p:sld xmlns:a="http://schemas.openxmlformats.org/drawingml/2006/main" xmlns:p="http://schemas.openxmlformats.org/presentationml/2006/main" xmlns:r="http://schemas.openxmlformats.org/officeDocument/2006/relationships" xmlns:p14="http://schemas.microsoft.com/office/powerpoint/2010/main" xmlns:p15="http://schemas.microsoft.com/office/powerpoint/2012/main" xmlns:mc="http://schemas.openxmlformats.org/markup-compatibility/2006">
+  <p:cSld>
+    <p:spTree>
+      <p:nvGrpSpPr>
+        <p:cNvPr id="1" name=""/>
+        <p:cNvGrpSpPr/>
+        <p:nvPr/>
+      </p:nvGrpSpPr>
+      <p:grpSpPr>
+        <a:xfrm>
+          <a:off x="0" y="0"/>
+          <a:ext cx="0" cy="0"/>
+          <a:chOff x="0" y="0"/>
+          <a:chExt cx="0" cy="0"/>
+        </a:xfrm>
+      </p:grpSpPr>
+      <p:pic>
+        <p:nvPicPr>
+          <p:cNvPr id="82" name="" descr=""/>
+          <p:cNvPicPr/>
+          <p:nvPr/>
+        </p:nvPicPr>
+        <p:blipFill>
+          <a:blip r:embed="rId1"/>
+          <a:stretch/>
+        </p:blipFill>
+        <p:spPr>
+          <a:xfrm>
+            <a:off x="772920" y="18720"/>
+            <a:ext cx="7134120" cy="6381720"/>
+          </a:xfrm>
+          <a:prstGeom prst="rect">
+            <a:avLst/>
+          </a:prstGeom>
+          <a:ln>
+            <a:noFill/>
+          </a:ln>
+        </p:spPr>
+      </p:pic>
+    </p:spTree>
+  </p:cSld>
+  <mc:AlternateContent>
+    <mc:Choice Requires="p14">
+      <p:transition spd="slow" p14:dur="2000"/>
+    </mc:Choice>
+    <mc:Fallback>
+      <p:transition spd="slow"/>
+    </mc:Fallback>
+  </mc:AlternateContent>
+</p:sld>
+</file>
+
+<file path=ppt/slides/slide5.xml><?xml version="1.0" encoding="utf-8"?>
+<p:sld xmlns:a="http://schemas.openxmlformats.org/drawingml/2006/main" xmlns:p="http://schemas.openxmlformats.org/presentationml/2006/main" xmlns:r="http://schemas.openxmlformats.org/officeDocument/2006/relationships" xmlns:p14="http://schemas.microsoft.com/office/powerpoint/2010/main" xmlns:p15="http://schemas.microsoft.com/office/powerpoint/2012/main" xmlns:mc="http://schemas.openxmlformats.org/markup-compatibility/2006">
+  <p:cSld>
+    <p:spTree>
+      <p:nvGrpSpPr>
+        <p:cNvPr id="1" name=""/>
+        <p:cNvGrpSpPr/>
+        <p:nvPr/>
+      </p:nvGrpSpPr>
+      <p:grpSpPr>
+        <a:xfrm>
+          <a:off x="0" y="0"/>
+          <a:ext cx="0" cy="0"/>
+          <a:chOff x="0" y="0"/>
+          <a:chExt cx="0" cy="0"/>
+        </a:xfrm>
+      </p:grpSpPr>
+      <p:pic>
+        <p:nvPicPr>
+          <p:cNvPr id="83" name="" descr=""/>
+          <p:cNvPicPr/>
+          <p:nvPr/>
+        </p:nvPicPr>
+        <p:blipFill>
+          <a:blip r:embed="rId1"/>
+          <a:stretch/>
+        </p:blipFill>
+        <p:spPr>
+          <a:xfrm>
+            <a:off x="1007640" y="201600"/>
+            <a:ext cx="6124320" cy="6473160"/>
+          </a:xfrm>
+          <a:prstGeom prst="rect">
+            <a:avLst/>
+          </a:prstGeom>
+          <a:ln>
+            <a:noFill/>
+          </a:ln>
+        </p:spPr>
+      </p:pic>
+    </p:spTree>
+  </p:cSld>
+  <mc:AlternateContent>
+    <mc:Choice Requires="p14">
+      <p:transition spd="slow" p14:dur="2000"/>
+    </mc:Choice>
+    <mc:Fallback>
+      <p:transition spd="slow"/>
+    </mc:Fallback>
+  </mc:AlternateContent>
+</p:sld>
+</file>
+
+<file path=ppt/slides/slide6.xml><?xml version="1.0" encoding="utf-8"?>
+<p:sld xmlns:a="http://schemas.openxmlformats.org/drawingml/2006/main" xmlns:p="http://schemas.openxmlformats.org/presentationml/2006/main" xmlns:r="http://schemas.openxmlformats.org/officeDocument/2006/relationships" xmlns:p14="http://schemas.microsoft.com/office/powerpoint/2010/main" xmlns:p15="http://schemas.microsoft.com/office/powerpoint/2012/main" xmlns:mc="http://schemas.openxmlformats.org/markup-compatibility/2006">
+  <p:cSld>
+    <p:spTree>
+      <p:nvGrpSpPr>
+        <p:cNvPr id="1" name=""/>
+        <p:cNvGrpSpPr/>
+        <p:nvPr/>
+      </p:nvGrpSpPr>
+      <p:grpSpPr>
+        <a:xfrm>
+          <a:off x="0" y="0"/>
+          <a:ext cx="0" cy="0"/>
+          <a:chOff x="0" y="0"/>
+          <a:chExt cx="0" cy="0"/>
+        </a:xfrm>
+      </p:grpSpPr>
+      <p:pic>
+        <p:nvPicPr>
+          <p:cNvPr id="84" name="" descr=""/>
+          <p:cNvPicPr/>
+          <p:nvPr/>
+        </p:nvPicPr>
+        <p:blipFill>
+          <a:blip r:embed="rId1"/>
+          <a:stretch/>
+        </p:blipFill>
+        <p:spPr>
+          <a:xfrm>
+            <a:off x="1211400" y="201600"/>
+            <a:ext cx="6194880" cy="6473160"/>
+          </a:xfrm>
+          <a:prstGeom prst="rect">
+            <a:avLst/>
+          </a:prstGeom>
+          <a:ln>
+            <a:noFill/>
+          </a:ln>
+        </p:spPr>
+      </p:pic>
+    </p:spTree>
+  </p:cSld>
+  <mc:AlternateContent>
+    <mc:Choice Requires="p14">
+      <p:transition spd="slow" p14:dur="2000"/>
+    </mc:Choice>
+    <mc:Fallback>
+      <p:transition spd="slow"/>
+    </mc:Fallback>
+  </mc:AlternateContent>
+</p:sld>
+</file>
+
+<file path=ppt/slides/slide7.xml><?xml version="1.0" encoding="utf-8"?>
+<p:sld xmlns:a="http://schemas.openxmlformats.org/drawingml/2006/main" xmlns:p="http://schemas.openxmlformats.org/presentationml/2006/main" xmlns:r="http://schemas.openxmlformats.org/officeDocument/2006/relationships" xmlns:p14="http://schemas.microsoft.com/office/powerpoint/2010/main" xmlns:p15="http://schemas.microsoft.com/office/powerpoint/2012/main" xmlns:mc="http://schemas.openxmlformats.org/markup-compatibility/2006">
+  <p:cSld>
+    <p:spTree>
+      <p:nvGrpSpPr>
+        <p:cNvPr id="1" name=""/>
+        <p:cNvGrpSpPr/>
+        <p:nvPr/>
+      </p:nvGrpSpPr>
+      <p:grpSpPr>
+        <a:xfrm>
+          <a:off x="0" y="0"/>
+          <a:ext cx="0" cy="0"/>
+          <a:chOff x="0" y="0"/>
+          <a:chExt cx="0" cy="0"/>
+        </a:xfrm>
+      </p:grpSpPr>
+      <p:pic>
+        <p:nvPicPr>
+          <p:cNvPr id="85" name="" descr=""/>
+          <p:cNvPicPr/>
+          <p:nvPr/>
+        </p:nvPicPr>
+        <p:blipFill>
+          <a:blip r:embed="rId1"/>
+          <a:stretch/>
+        </p:blipFill>
+        <p:spPr>
+          <a:xfrm>
+            <a:off x="34200" y="632160"/>
+            <a:ext cx="8835120" cy="5834160"/>
+          </a:xfrm>
+          <a:prstGeom prst="rect">
+            <a:avLst/>
+          </a:prstGeom>
+          <a:ln>
+            <a:noFill/>
+          </a:ln>
+        </p:spPr>
+      </p:pic>
+    </p:spTree>
+  </p:cSld>
+  <mc:AlternateContent>
+    <mc:Choice Requires="p14">
+      <p:transition spd="slow" p14:dur="2000"/>
+    </mc:Choice>
+    <mc:Fallback>
+      <p:transition spd="slow"/>
+    </mc:Fallback>
+  </mc:AlternateContent>
+</p:sld>
+</file>
+
+<file path=ppt/slides/slide8.xml><?xml version="1.0" encoding="utf-8"?>
+<p:sld xmlns:a="http://schemas.openxmlformats.org/drawingml/2006/main" xmlns:p="http://schemas.openxmlformats.org/presentationml/2006/main" xmlns:r="http://schemas.openxmlformats.org/officeDocument/2006/relationships" xmlns:p14="http://schemas.microsoft.com/office/powerpoint/2010/main" xmlns:p15="http://schemas.microsoft.com/office/powerpoint/2012/main" xmlns:mc="http://schemas.openxmlformats.org/markup-compatibility/2006">
+  <p:cSld>
+    <p:spTree>
+      <p:nvGrpSpPr>
+        <p:cNvPr id="1" name=""/>
+        <p:cNvGrpSpPr/>
+        <p:nvPr/>
+      </p:nvGrpSpPr>
+      <p:grpSpPr>
+        <a:xfrm>
+          <a:off x="0" y="0"/>
+          <a:ext cx="0" cy="0"/>
+          <a:chOff x="0" y="0"/>
+          <a:chExt cx="0" cy="0"/>
+        </a:xfrm>
+      </p:grpSpPr>
+      <p:pic>
+        <p:nvPicPr>
+          <p:cNvPr id="86" name="" descr=""/>
+          <p:cNvPicPr/>
+          <p:nvPr/>
+        </p:nvPicPr>
+        <p:blipFill>
+          <a:blip r:embed="rId1"/>
+          <a:stretch/>
+        </p:blipFill>
+        <p:spPr>
+          <a:xfrm>
+            <a:off x="365760" y="207360"/>
+            <a:ext cx="8035920" cy="6375960"/>
+          </a:xfrm>
+          <a:prstGeom prst="rect">
+            <a:avLst/>
+          </a:prstGeom>
+          <a:ln>
+            <a:noFill/>
+          </a:ln>
+        </p:spPr>
+      </p:pic>
+    </p:spTree>
+  </p:cSld>
+  <mc:AlternateContent>
+    <mc:Choice Requires="p14">
+      <p:transition spd="slow" p14:dur="2000"/>
+    </mc:Choice>
+    <mc:Fallback>
+      <p:transition spd="slow"/>
+    </mc:Fallback>
+  </mc:AlternateContent>
+</p:sld>
+</file>
+
+<file path=ppt/slides/slide9.xml><?xml version="1.0" encoding="utf-8"?>
+<p:sld xmlns:a="http://schemas.openxmlformats.org/drawingml/2006/main" xmlns:p="http://schemas.openxmlformats.org/presentationml/2006/main" xmlns:r="http://schemas.openxmlformats.org/officeDocument/2006/relationships" xmlns:p14="http://schemas.microsoft.com/office/powerpoint/2010/main" xmlns:p15="http://schemas.microsoft.com/office/powerpoint/2012/main" xmlns:mc="http://schemas.openxmlformats.org/markup-compatibility/2006">
+  <p:cSld>
+    <p:spTree>
+      <p:nvGrpSpPr>
+        <p:cNvPr id="1" name=""/>
+        <p:cNvGrpSpPr/>
+        <p:nvPr/>
+      </p:nvGrpSpPr>
+      <p:grpSpPr>
+        <a:xfrm>
+          <a:off x="0" y="0"/>
+          <a:ext cx="0" cy="0"/>
+          <a:chOff x="0" y="0"/>
+          <a:chExt cx="0" cy="0"/>
+        </a:xfrm>
+      </p:grpSpPr>
+      <p:pic>
+        <p:nvPicPr>
+          <p:cNvPr id="87" name="" descr=""/>
+          <p:cNvPicPr/>
+          <p:nvPr/>
+        </p:nvPicPr>
+        <p:blipFill>
+          <a:blip r:embed="rId1"/>
+          <a:stretch/>
+        </p:blipFill>
+        <p:spPr>
+          <a:xfrm>
+            <a:off x="387720" y="274320"/>
+            <a:ext cx="8298720" cy="6333480"/>
+          </a:xfrm>
+          <a:prstGeom prst="rect">
+            <a:avLst/>
+          </a:prstGeom>
+          <a:ln>
+            <a:noFill/>
+          </a:ln>
+        </p:spPr>
+      </p:pic>
     </p:spTree>
   </p:cSld>
   <mc:AlternateContent>
